--- a/Background Information/Health_Expenditures_extraslides.pptx
+++ b/Background Information/Health_Expenditures_extraslides.pptx
@@ -4352,12 +4352,80 @@
           </a:xfrm>
         </p:spPr>
       </p:pic>
+      <p:sp>
+        <p:nvSpPr>
+          <p:cNvPr id="8" name="Title 1">
+            <a:extLst>
+              <a:ext uri="{FF2B5EF4-FFF2-40B4-BE49-F238E27FC236}">
+                <a16:creationId xmlns:a16="http://schemas.microsoft.com/office/drawing/2014/main" id="{F94EE090-C65A-D6F7-4F73-870F45A63ED3}"/>
+              </a:ext>
+            </a:extLst>
+          </p:cNvPr>
+          <p:cNvSpPr>
+            <a:spLocks noGrp="1"/>
+          </p:cNvSpPr>
+          <p:nvPr>
+            <p:ph type="title"/>
+          </p:nvPr>
+        </p:nvSpPr>
+        <p:spPr>
+          <a:xfrm>
+            <a:off x="600075" y="176213"/>
+            <a:ext cx="10240963" cy="1235075"/>
+          </a:xfrm>
+        </p:spPr>
+        <p:txBody>
+          <a:bodyPr/>
+          <a:lstStyle/>
+          <a:p>
+            <a:r>
+              <a:rPr lang="en-US" dirty="0"/>
+              <a:t>Annual Income by Region</a:t>
+            </a:r>
+          </a:p>
+        </p:txBody>
+      </p:sp>
+      <p:sp>
+        <p:nvSpPr>
+          <p:cNvPr id="10" name="TextBox 9">
+            <a:extLst>
+              <a:ext uri="{FF2B5EF4-FFF2-40B4-BE49-F238E27FC236}">
+                <a16:creationId xmlns:a16="http://schemas.microsoft.com/office/drawing/2014/main" id="{0949FEFC-4883-9678-226F-D60C65B38D02}"/>
+              </a:ext>
+            </a:extLst>
+          </p:cNvPr>
+          <p:cNvSpPr txBox="1"/>
+          <p:nvPr/>
+        </p:nvSpPr>
+        <p:spPr>
+          <a:xfrm>
+            <a:off x="314325" y="4095750"/>
+            <a:ext cx="5162550" cy="923330"/>
+          </a:xfrm>
+          <a:prstGeom prst="rect">
+            <a:avLst/>
+          </a:prstGeom>
+          <a:noFill/>
+        </p:spPr>
+        <p:txBody>
+          <a:bodyPr wrap="square" rtlCol="0">
+            <a:spAutoFit/>
+          </a:bodyPr>
+          <a:lstStyle/>
+          <a:p>
+            <a:r>
+              <a:rPr lang="en-US" dirty="0"/>
+              <a:t>The annual income of each of the regions has continued to increase, but not as consistently as the expenditures on personal health care.</a:t>
+            </a:r>
+          </a:p>
+        </p:txBody>
+      </p:sp>
       <p:pic>
         <p:nvPicPr>
-          <p:cNvPr id="7" name="Picture 6" descr="A graph of different colored lines&#10;&#10;Description automatically generated">
-            <a:extLst>
-              <a:ext uri="{FF2B5EF4-FFF2-40B4-BE49-F238E27FC236}">
-                <a16:creationId xmlns:a16="http://schemas.microsoft.com/office/drawing/2014/main" id="{C3E22EE6-AC38-EE43-33EA-49DBB411ABDE}"/>
+          <p:cNvPr id="3" name="Picture 2">
+            <a:extLst>
+              <a:ext uri="{FF2B5EF4-FFF2-40B4-BE49-F238E27FC236}">
+                <a16:creationId xmlns:a16="http://schemas.microsoft.com/office/drawing/2014/main" id="{0959B23A-7F94-665A-85E9-30D2E33A02A9}"/>
               </a:ext>
             </a:extLst>
           </p:cNvPr>
@@ -4368,87 +4436,19 @@
         </p:nvPicPr>
         <p:blipFill rotWithShape="1">
           <a:blip r:embed="rId3"/>
-          <a:srcRect r="7875"/>
+          <a:srcRect l="3331" r="1902"/>
           <a:stretch/>
         </p:blipFill>
         <p:spPr>
           <a:xfrm>
-            <a:off x="6448076" y="2054186"/>
-            <a:ext cx="5667375" cy="3086488"/>
+            <a:off x="6448075" y="1525408"/>
+            <a:ext cx="5667377" cy="3014539"/>
           </a:xfrm>
           <a:prstGeom prst="rect">
             <a:avLst/>
           </a:prstGeom>
         </p:spPr>
       </p:pic>
-      <p:sp>
-        <p:nvSpPr>
-          <p:cNvPr id="8" name="Title 1">
-            <a:extLst>
-              <a:ext uri="{FF2B5EF4-FFF2-40B4-BE49-F238E27FC236}">
-                <a16:creationId xmlns:a16="http://schemas.microsoft.com/office/drawing/2014/main" id="{F94EE090-C65A-D6F7-4F73-870F45A63ED3}"/>
-              </a:ext>
-            </a:extLst>
-          </p:cNvPr>
-          <p:cNvSpPr>
-            <a:spLocks noGrp="1"/>
-          </p:cNvSpPr>
-          <p:nvPr>
-            <p:ph type="title"/>
-          </p:nvPr>
-        </p:nvSpPr>
-        <p:spPr>
-          <a:xfrm>
-            <a:off x="600075" y="176213"/>
-            <a:ext cx="10240963" cy="1235075"/>
-          </a:xfrm>
-        </p:spPr>
-        <p:txBody>
-          <a:bodyPr/>
-          <a:lstStyle/>
-          <a:p>
-            <a:r>
-              <a:rPr lang="en-US" dirty="0"/>
-              <a:t>Annual Income by Region</a:t>
-            </a:r>
-          </a:p>
-        </p:txBody>
-      </p:sp>
-      <p:sp>
-        <p:nvSpPr>
-          <p:cNvPr id="10" name="TextBox 9">
-            <a:extLst>
-              <a:ext uri="{FF2B5EF4-FFF2-40B4-BE49-F238E27FC236}">
-                <a16:creationId xmlns:a16="http://schemas.microsoft.com/office/drawing/2014/main" id="{0949FEFC-4883-9678-226F-D60C65B38D02}"/>
-              </a:ext>
-            </a:extLst>
-          </p:cNvPr>
-          <p:cNvSpPr txBox="1"/>
-          <p:nvPr/>
-        </p:nvSpPr>
-        <p:spPr>
-          <a:xfrm>
-            <a:off x="314325" y="4095750"/>
-            <a:ext cx="5162550" cy="923330"/>
-          </a:xfrm>
-          <a:prstGeom prst="rect">
-            <a:avLst/>
-          </a:prstGeom>
-          <a:noFill/>
-        </p:spPr>
-        <p:txBody>
-          <a:bodyPr wrap="square" rtlCol="0">
-            <a:spAutoFit/>
-          </a:bodyPr>
-          <a:lstStyle/>
-          <a:p>
-            <a:r>
-              <a:rPr lang="en-US" dirty="0"/>
-              <a:t>The annual income of each of the regions has continued to increase, but not as consistently as the expenditures on personal health care.</a:t>
-            </a:r>
-          </a:p>
-        </p:txBody>
-      </p:sp>
     </p:spTree>
     <p:extLst>
       <p:ext uri="{BB962C8B-B14F-4D97-AF65-F5344CB8AC3E}">
